--- a/pandoc.pptx
+++ b/pandoc.pptx
@@ -12,6 +12,9 @@
     <p:sldId id="260" r:id="rId6"/>
     <p:sldId id="261" r:id="rId7"/>
     <p:sldId id="262" r:id="rId8"/>
+    <p:sldId id="263" r:id="rId9"/>
+    <p:sldId id="264" r:id="rId10"/>
+    <p:sldId id="265" r:id="rId11"/>
   </p:sldIdLst>
   <p:sldSz cx="9144000" cy="6858000" type="screen4x3"/>
   <p:notesSz cx="6858000" cy="9144000"/>
@@ -3227,6 +3230,53 @@
 </p:sld>
 </file>
 
+<file path=ppt/slides/slide10.xml><?xml version="1.0" encoding="utf-8"?>
+<p:sld xmlns:a="http://schemas.openxmlformats.org/drawingml/2006/main" xmlns:r="http://schemas.openxmlformats.org/officeDocument/2006/relationships" xmlns:p="http://schemas.openxmlformats.org/presentationml/2006/main">
+  <p:cSld>
+    <p:spTree>
+      <p:nvGrpSpPr>
+        <p:cNvPr id="1" name=""/>
+        <p:cNvGrpSpPr/>
+        <p:nvPr/>
+      </p:nvGrpSpPr>
+      <p:grpSpPr>
+        <a:xfrm>
+          <a:off x="0" y="0"/>
+          <a:ext cx="0" cy="0"/>
+          <a:chOff x="0" y="0"/>
+          <a:chExt cx="0" cy="0"/>
+        </a:xfrm>
+      </p:grpSpPr>
+      <p:sp>
+        <p:nvSpPr>
+          <p:cNvPr id="2" name="Title 1"/>
+          <p:cNvSpPr>
+            <a:spLocks noGrp="1"/>
+          </p:cNvSpPr>
+          <p:nvPr>
+            <p:ph type="title"/>
+          </p:nvPr>
+        </p:nvSpPr>
+        <p:spPr/>
+        <p:txBody>
+          <a:bodyPr/>
+          <a:lstStyle/>
+          <a:p>
+            <a:pPr lvl="0" marL="0" indent="0">
+              <a:buNone/>
+            </a:pPr>
+            <a:r>
+              <a:rPr/>
+              <a:t>おわり</a:t>
+            </a:r>
+          </a:p>
+        </p:txBody>
+      </p:sp>
+    </p:spTree>
+  </p:cSld>
+</p:sld>
+</file>
+
 <file path=ppt/slides/slide2.xml><?xml version="1.0" encoding="utf-8"?>
 <p:sld xmlns:a="http://schemas.openxmlformats.org/drawingml/2006/main" xmlns:r="http://schemas.openxmlformats.org/officeDocument/2006/relationships" xmlns:p="http://schemas.openxmlformats.org/presentationml/2006/main">
   <p:cSld>
@@ -3264,7 +3314,7 @@
             </a:pPr>
             <a:r>
               <a:rPr/>
-              <a:t>このスライドをどう作っているか</a:t>
+              <a:t>Markdownスライドの現状</a:t>
             </a:r>
           </a:p>
         </p:txBody>
@@ -3286,133 +3336,30 @@
           <a:p>
             <a:pPr lvl="1"/>
             <a:r>
-              <a:rPr>
-                <a:hlinkClick r:id="rId2"/>
-              </a:rPr>
-              <a:t>Markdown</a:t>
-            </a:r>
-            <a:r>
-              <a:rPr>
-                <a:hlinkClick r:id="rId3"/>
-              </a:rPr>
+              <a:rPr/>
+              <a:t>reveal.js</a:t>
+            </a:r>
+            <a:r>
+              <a:rPr/>
               <a:t> </a:t>
             </a:r>
             <a:r>
-              <a:rPr>
-                <a:hlinkClick r:id="rId4"/>
-              </a:rPr>
-              <a:t>Preview</a:t>
-            </a:r>
-            <a:r>
-              <a:rPr>
-                <a:hlinkClick r:id="rId5"/>
-              </a:rPr>
-              <a:t> </a:t>
-            </a:r>
-            <a:r>
-              <a:rPr>
-                <a:hlinkClick r:id="rId6"/>
-              </a:rPr>
-              <a:t>Enhanced</a:t>
-            </a:r>
-            <a:r>
-              <a:rPr/>
-              <a:t> </a:t>
-            </a:r>
-            <a:r>
-              <a:rPr/>
-              <a:t>(MPE)</a:t>
+              <a:rPr/>
+              <a:t>(HTMLスライド)が最強</a:t>
             </a:r>
           </a:p>
           <a:p>
             <a:pPr lvl="2"/>
             <a:r>
               <a:rPr/>
-              <a:t>VS</a:t>
-            </a:r>
-            <a:r>
-              <a:rPr/>
-              <a:t> </a:t>
-            </a:r>
-            <a:r>
-              <a:rPr/>
-              <a:t>Code/Atomのプラグインとして利用可能</a:t>
+              <a:t>Markdownからreveal.jsに変換する手段がたくさん</a:t>
             </a:r>
           </a:p>
           <a:p>
             <a:pPr lvl="2"/>
             <a:r>
               <a:rPr/>
-              <a:t>すごく高機能なMarkdown処理系</a:t>
-            </a:r>
-          </a:p>
-          <a:p>
-            <a:pPr lvl="2"/>
-            <a:r>
-              <a:rPr/>
-              <a:t>個人的にはVS</a:t>
-            </a:r>
-            <a:r>
-              <a:rPr/>
-              <a:t> </a:t>
-            </a:r>
-            <a:r>
-              <a:rPr/>
-              <a:t>Codeで使っています</a:t>
-            </a:r>
-          </a:p>
-          <a:p>
-            <a:pPr lvl="1"/>
-            <a:r>
-              <a:rPr>
-                <a:hlinkClick r:id="rId7"/>
-              </a:rPr>
-              <a:t>mume</a:t>
-            </a:r>
-          </a:p>
-          <a:p>
-            <a:pPr lvl="2"/>
-            <a:r>
-              <a:rPr/>
-              <a:t>MPEのコアにあたる変換エンジン</a:t>
-            </a:r>
-            <a:r>
-              <a:rPr/>
-              <a:t> </a:t>
-            </a:r>
-            <a:r>
-              <a:rPr/>
-              <a:t>(npmパッケージ)</a:t>
-            </a:r>
-          </a:p>
-          <a:p>
-            <a:pPr lvl="2"/>
-            <a:r>
-              <a:rPr/>
-              <a:t>変換処理をスクリプト化するときに便利</a:t>
-            </a:r>
-          </a:p>
-          <a:p>
-            <a:pPr lvl="1"/>
-            <a:r>
-              <a:rPr/>
-              <a:t>GitHub</a:t>
-            </a:r>
-            <a:r>
-              <a:rPr/>
-              <a:t> </a:t>
-            </a:r>
-            <a:r>
-              <a:rPr/>
-              <a:t>Pages:</a:t>
-            </a:r>
-            <a:r>
-              <a:rPr/>
-              <a:t> </a:t>
-            </a:r>
-            <a:r>
-              <a:rPr/>
-              <a:t>静的ホスティング</a:t>
+              <a:t>Webベースでもreveal.jsバックエンドが多数</a:t>
             </a:r>
           </a:p>
         </p:txBody>
@@ -3459,7 +3406,15 @@
             </a:pPr>
             <a:r>
               <a:rPr/>
-              <a:t>参考：スライドのGitHubリポジトリ</a:t>
+              <a:t>Markdownスライド:</a:t>
+            </a:r>
+            <a:r>
+              <a:rPr/>
+              <a:t> </a:t>
+            </a:r>
+            <a:r>
+              <a:rPr/>
+              <a:t>Pandoc</a:t>
             </a:r>
           </a:p>
         </p:txBody>
@@ -3481,34 +3436,37 @@
           <a:p>
             <a:pPr lvl="1"/>
             <a:r>
-              <a:rPr>
-                <a:hlinkClick r:id="rId2"/>
-              </a:rPr>
-              <a:t>https://github.com/sky-y/histudy-201712</a:t>
+              <a:rPr/>
+              <a:t>reveal.jsに変換するのがベター</a:t>
             </a:r>
           </a:p>
           <a:p>
             <a:pPr lvl="1"/>
             <a:r>
               <a:rPr/>
-              <a:t>GitHubリポジトリさえ設定できてれば、基本的には</a:t>
-            </a:r>
-            <a:r>
-              <a:rPr>
-                <a:latin typeface="Courier"/>
-              </a:rPr>
-              <a:t>npm run all</a:t>
-            </a:r>
-            <a:r>
-              <a:rPr/>
-              <a:t>でスライド生成→デプロイまで完結します</a:t>
-            </a:r>
-          </a:p>
-          <a:p>
-            <a:pPr lvl="1"/>
-            <a:r>
-              <a:rPr/>
-              <a:t>あとで整備して、ボイラープレートとして使えるようにしたい</a:t>
+              <a:t>Pandoc</a:t>
+            </a:r>
+            <a:r>
+              <a:rPr/>
+              <a:t> </a:t>
+            </a:r>
+            <a:r>
+              <a:rPr/>
+              <a:t>2.0.5でPowerPoint出力に対応</a:t>
+            </a:r>
+          </a:p>
+          <a:p>
+            <a:pPr lvl="2"/>
+            <a:r>
+              <a:rPr/>
+              <a:t>今動いているのがPowerPointです</a:t>
+            </a:r>
+          </a:p>
+          <a:p>
+            <a:pPr lvl="2"/>
+            <a:r>
+              <a:rPr/>
+              <a:t>デザインの調整は追って調査します</a:t>
             </a:r>
           </a:p>
         </p:txBody>
@@ -3555,7 +3513,15 @@
             </a:pPr>
             <a:r>
               <a:rPr/>
-              <a:t>執筆お助けツール</a:t>
+              <a:t>Pandoc:</a:t>
+            </a:r>
+            <a:r>
+              <a:rPr/>
+              <a:t> </a:t>
+            </a:r>
+            <a:r>
+              <a:rPr/>
+              <a:t>pptxのデザイン</a:t>
             </a:r>
           </a:p>
         </p:txBody>
@@ -3577,141 +3543,79 @@
           <a:p>
             <a:pPr lvl="1"/>
             <a:r>
+              <a:rPr/>
+              <a:t>画面比の指定</a:t>
+            </a:r>
+            <a:r>
+              <a:rPr/>
+              <a:t> </a:t>
+            </a:r>
+            <a:r>
+              <a:rPr/>
+              <a:t>(YAML</a:t>
+            </a:r>
+            <a:r>
+              <a:rPr/>
+              <a:t> </a:t>
+            </a:r>
+            <a:r>
+              <a:rPr/>
+              <a:t>metadataの</a:t>
+            </a:r>
+            <a:r>
               <a:rPr>
-                <a:hlinkClick r:id="rId2"/>
+                <a:latin typeface="Courier"/>
               </a:rPr>
-              <a:t>textlint</a:t>
+              <a:t>aspectratio</a:t>
+            </a:r>
+            <a:r>
+              <a:rPr/>
+              <a:t>)</a:t>
+            </a:r>
+            <a:r>
+              <a:rPr/>
+              <a:t> </a:t>
+            </a:r>
+            <a:r>
+              <a:rPr/>
+              <a:t>→</a:t>
+            </a:r>
+            <a:r>
+              <a:rPr/>
+              <a:t> </a:t>
+            </a:r>
+            <a:r>
+              <a:rPr/>
+              <a:t>無効</a:t>
+            </a:r>
+          </a:p>
+          <a:p>
+            <a:pPr lvl="1"/>
+            <a:r>
+              <a:rPr>
+                <a:latin typeface="Courier"/>
+              </a:rPr>
+              <a:t>$ pandoc --print-default-data-file reference.pptx &gt; reference.pptx</a:t>
             </a:r>
           </a:p>
           <a:p>
             <a:pPr lvl="2"/>
             <a:r>
-              <a:rPr/>
-              <a:t>英語・日本語の文法誤りをしてくれるツール</a:t>
+              <a:rPr>
+                <a:latin typeface="Courier"/>
+              </a:rPr>
+              <a:t>reference.pptx</a:t>
+            </a:r>
+            <a:r>
+              <a:rPr/>
+              <a:t>をカスタマイズしてデザインを設定できるはずだが・・・</a:t>
             </a:r>
           </a:p>
           <a:p>
             <a:pPr lvl="2"/>
             <a:r>
               <a:rPr/>
-              <a:t>プラグインでスタイルやルールをインストールできる</a:t>
-            </a:r>
-          </a:p>
-          <a:p>
-            <a:pPr lvl="2"/>
-            <a:r>
-              <a:rPr>
-                <a:hlinkClick r:id="rId3"/>
-              </a:rPr>
-              <a:t>Collection</a:t>
-            </a:r>
-            <a:r>
-              <a:rPr>
-                <a:hlinkClick r:id="rId4"/>
-              </a:rPr>
-              <a:t> </a:t>
-            </a:r>
-            <a:r>
-              <a:rPr>
-                <a:hlinkClick r:id="rId5"/>
-              </a:rPr>
-              <a:t>of</a:t>
-            </a:r>
-            <a:r>
-              <a:rPr>
-                <a:hlinkClick r:id="rId6"/>
-              </a:rPr>
-              <a:t> </a:t>
-            </a:r>
-            <a:r>
-              <a:rPr>
-                <a:hlinkClick r:id="rId7"/>
-              </a:rPr>
-              <a:t>textlint</a:t>
-            </a:r>
-            <a:r>
-              <a:rPr>
-                <a:hlinkClick r:id="rId8"/>
-              </a:rPr>
-              <a:t> </a:t>
-            </a:r>
-            <a:r>
-              <a:rPr>
-                <a:hlinkClick r:id="rId9"/>
-              </a:rPr>
-              <a:t>rule</a:t>
-            </a:r>
-            <a:r>
-              <a:rPr>
-                <a:hlinkClick r:id="rId10"/>
-              </a:rPr>
-              <a:t> </a:t>
-            </a:r>
-            <a:r>
-              <a:rPr>
-                <a:hlinkClick r:id="rId11"/>
-              </a:rPr>
-              <a:t>·</a:t>
-            </a:r>
-            <a:r>
-              <a:rPr>
-                <a:hlinkClick r:id="rId12"/>
-              </a:rPr>
-              <a:t> </a:t>
-            </a:r>
-            <a:r>
-              <a:rPr>
-                <a:hlinkClick r:id="rId13"/>
-              </a:rPr>
-              <a:t>textlint/textlint</a:t>
-            </a:r>
-            <a:r>
-              <a:rPr>
-                <a:hlinkClick r:id="rId14"/>
-              </a:rPr>
-              <a:t> </a:t>
-            </a:r>
-            <a:r>
-              <a:rPr>
-                <a:hlinkClick r:id="rId15"/>
-              </a:rPr>
-              <a:t>Wiki</a:t>
-            </a:r>
-          </a:p>
-          <a:p>
-            <a:pPr lvl="1"/>
-            <a:r>
-              <a:rPr>
-                <a:hlinkClick r:id="rId16"/>
-              </a:rPr>
-              <a:t>prh</a:t>
-            </a:r>
-          </a:p>
-          <a:p>
-            <a:pPr lvl="2"/>
-            <a:r>
-              <a:rPr/>
-              <a:t>textlintと組み合わせて使う</a:t>
-            </a:r>
-          </a:p>
-          <a:p>
-            <a:pPr lvl="2"/>
-            <a:r>
-              <a:rPr/>
-              <a:t>辞書を作っておくと、用語の誤りを指摘してくれる</a:t>
-            </a:r>
-          </a:p>
-          <a:p>
-            <a:pPr lvl="2"/>
-            <a:r>
-              <a:rPr>
-                <a:hlinkClick r:id="rId17"/>
-              </a:rPr>
-              <a:t>サンプルルール</a:t>
-            </a:r>
-            <a:r>
-              <a:rPr/>
-              <a:t>のtechboosterだけでもかなり使える</a:t>
+              <a:t>PowerPoint</a:t>
             </a:r>
           </a:p>
         </p:txBody>
@@ -3758,7 +3662,15 @@
             </a:pPr>
             <a:r>
               <a:rPr/>
-              <a:t>執筆のためのCI</a:t>
+              <a:t>Markdownスライド:</a:t>
+            </a:r>
+            <a:r>
+              <a:rPr/>
+              <a:t> </a:t>
+            </a:r>
+            <a:r>
+              <a:rPr/>
+              <a:t>MPE</a:t>
             </a:r>
           </a:p>
         </p:txBody>
@@ -3779,25 +3691,11 @@
           <a:lstStyle/>
           <a:p>
             <a:pPr lvl="1"/>
-            <a:r>
-              <a:rPr/>
-              <a:t>技術書界隈でCIが流行ってる</a:t>
-            </a:r>
-          </a:p>
-          <a:p>
-            <a:pPr lvl="2"/>
-            <a:r>
-              <a:rPr/>
-              <a:t>原稿をPush→完成品に近いPDF生成→GitHub/BitBucketのIssue/PRでフィードバック</a:t>
-            </a:r>
-          </a:p>
-          <a:p>
-            <a:pPr lvl="2"/>
             <a:r>
               <a:rPr>
                 <a:hlinkClick r:id="rId2"/>
               </a:rPr>
-              <a:t>技術書同人誌を書きましょう！</a:t>
+              <a:t>Markdown</a:t>
             </a:r>
             <a:r>
               <a:rPr>
@@ -3809,7 +3707,7 @@
               <a:rPr>
                 <a:hlinkClick r:id="rId4"/>
               </a:rPr>
-              <a:t>-</a:t>
+              <a:t>Preview</a:t>
             </a:r>
             <a:r>
               <a:rPr>
@@ -3821,35 +3719,106 @@
               <a:rPr>
                 <a:hlinkClick r:id="rId6"/>
               </a:rPr>
-              <a:t>Qiita</a:t>
+              <a:t>Enhanced</a:t>
+            </a:r>
+            <a:r>
+              <a:rPr/>
+              <a:t> </a:t>
+            </a:r>
+            <a:r>
+              <a:rPr/>
+              <a:t>(MPE)</a:t>
+            </a:r>
+          </a:p>
+          <a:p>
+            <a:pPr lvl="2"/>
+            <a:r>
+              <a:rPr/>
+              <a:t>VS</a:t>
+            </a:r>
+            <a:r>
+              <a:rPr/>
+              <a:t> </a:t>
+            </a:r>
+            <a:r>
+              <a:rPr/>
+              <a:t>Code/Atomのプラグインとして利用可能</a:t>
+            </a:r>
+          </a:p>
+          <a:p>
+            <a:pPr lvl="2"/>
+            <a:r>
+              <a:rPr/>
+              <a:t>すごく高機能なMarkdown処理系</a:t>
+            </a:r>
+          </a:p>
+          <a:p>
+            <a:pPr lvl="2"/>
+            <a:r>
+              <a:rPr/>
+              <a:t>個人的にはVS</a:t>
+            </a:r>
+            <a:r>
+              <a:rPr/>
+              <a:t> </a:t>
+            </a:r>
+            <a:r>
+              <a:rPr/>
+              <a:t>Codeで使っています</a:t>
             </a:r>
           </a:p>
           <a:p>
             <a:pPr lvl="1"/>
             <a:r>
-              <a:rPr/>
-              <a:t>執筆CIのメリット</a:t>
+              <a:rPr>
+                <a:hlinkClick r:id="rId7"/>
+              </a:rPr>
+              <a:t>mume</a:t>
             </a:r>
           </a:p>
           <a:p>
             <a:pPr lvl="2"/>
             <a:r>
               <a:rPr/>
-              <a:t>原稿を書いた片っ端から編集者さんが随時校正できる</a:t>
-            </a:r>
-          </a:p>
-          <a:p>
-            <a:pPr lvl="3"/>
-            <a:r>
-              <a:rPr/>
-              <a:t>執筆フローは、伝統的にはウォーターフローモデル</a:t>
+              <a:t>MPEのコアにあたる変換エンジン</a:t>
+            </a:r>
+            <a:r>
+              <a:rPr/>
+              <a:t> </a:t>
+            </a:r>
+            <a:r>
+              <a:rPr/>
+              <a:t>(npmパッケージ)</a:t>
             </a:r>
           </a:p>
           <a:p>
             <a:pPr lvl="2"/>
             <a:r>
               <a:rPr/>
-              <a:t>リモートでの共同執筆やチームプレイが円滑になる</a:t>
+              <a:t>変換処理をスクリプト化するときに便利</a:t>
+            </a:r>
+          </a:p>
+          <a:p>
+            <a:pPr lvl="1"/>
+            <a:r>
+              <a:rPr/>
+              <a:t>GitHub</a:t>
+            </a:r>
+            <a:r>
+              <a:rPr/>
+              <a:t> </a:t>
+            </a:r>
+            <a:r>
+              <a:rPr/>
+              <a:t>Pages:</a:t>
+            </a:r>
+            <a:r>
+              <a:rPr/>
+              <a:t> </a:t>
+            </a:r>
+            <a:r>
+              <a:rPr/>
+              <a:t>静的ホスティング</a:t>
             </a:r>
           </a:p>
         </p:txBody>
@@ -3896,7 +3865,7 @@
             </a:pPr>
             <a:r>
               <a:rPr/>
-              <a:t>執筆に関するおすすめ資料</a:t>
+              <a:t>参考：スライドのGitHubリポジトリ</a:t>
             </a:r>
           </a:p>
         </p:txBody>
@@ -3921,36 +3890,31 @@
               <a:rPr>
                 <a:hlinkClick r:id="rId2"/>
               </a:rPr>
-              <a:t>【もくもく執筆会】執筆お疲れさま！歓談＆LT</a:t>
+              <a:t>https://github.com/sky-y/histudy-201712</a:t>
+            </a:r>
+          </a:p>
+          <a:p>
+            <a:pPr lvl="1"/>
+            <a:r>
+              <a:rPr/>
+              <a:t>GitHubリポジトリさえ設定できてれば、基本的には</a:t>
             </a:r>
             <a:r>
               <a:rPr>
-                <a:hlinkClick r:id="rId3"/>
+                <a:latin typeface="Courier"/>
               </a:rPr>
-              <a:t> </a:t>
-            </a:r>
-            <a:r>
-              <a:rPr>
-                <a:hlinkClick r:id="rId4"/>
-              </a:rPr>
-              <a:t>パーティー</a:t>
-            </a:r>
-          </a:p>
-          <a:p>
-            <a:pPr lvl="2"/>
-            <a:r>
-              <a:rPr>
-                <a:hlinkClick r:id="rId5"/>
-              </a:rPr>
-              <a:t>資料一覧</a:t>
-            </a:r>
-            <a:r>
-              <a:rPr/>
-              <a:t> </a:t>
-            </a:r>
-            <a:r>
-              <a:rPr/>
-              <a:t>に上がってるLT資料が良い</a:t>
+              <a:t>npm run all</a:t>
+            </a:r>
+            <a:r>
+              <a:rPr/>
+              <a:t>でスライド生成→デプロイまで完結します</a:t>
+            </a:r>
+          </a:p>
+          <a:p>
+            <a:pPr lvl="1"/>
+            <a:r>
+              <a:rPr/>
+              <a:t>あとで整備して、ボイラープレートとして使えるようにしたい</a:t>
             </a:r>
           </a:p>
         </p:txBody>
@@ -3997,7 +3961,402 @@
             </a:pPr>
             <a:r>
               <a:rPr/>
-              <a:t>おわり</a:t>
+              <a:t>執筆お助けツール</a:t>
+            </a:r>
+          </a:p>
+        </p:txBody>
+      </p:sp>
+      <p:sp>
+        <p:nvSpPr>
+          <p:cNvPr id="3" name="Content Placeholder 2"/>
+          <p:cNvSpPr>
+            <a:spLocks noGrp="1"/>
+          </p:cNvSpPr>
+          <p:nvPr>
+            <p:ph idx="1"/>
+          </p:nvPr>
+        </p:nvSpPr>
+        <p:spPr/>
+        <p:txBody>
+          <a:bodyPr/>
+          <a:lstStyle/>
+          <a:p>
+            <a:pPr lvl="1"/>
+            <a:r>
+              <a:rPr>
+                <a:hlinkClick r:id="rId2"/>
+              </a:rPr>
+              <a:t>textlint</a:t>
+            </a:r>
+          </a:p>
+          <a:p>
+            <a:pPr lvl="2"/>
+            <a:r>
+              <a:rPr/>
+              <a:t>英語・日本語の文法誤りをしてくれるツール</a:t>
+            </a:r>
+          </a:p>
+          <a:p>
+            <a:pPr lvl="2"/>
+            <a:r>
+              <a:rPr/>
+              <a:t>プラグインでスタイルやルールをインストールできる</a:t>
+            </a:r>
+          </a:p>
+          <a:p>
+            <a:pPr lvl="2"/>
+            <a:r>
+              <a:rPr>
+                <a:hlinkClick r:id="rId3"/>
+              </a:rPr>
+              <a:t>Collection</a:t>
+            </a:r>
+            <a:r>
+              <a:rPr>
+                <a:hlinkClick r:id="rId4"/>
+              </a:rPr>
+              <a:t> </a:t>
+            </a:r>
+            <a:r>
+              <a:rPr>
+                <a:hlinkClick r:id="rId5"/>
+              </a:rPr>
+              <a:t>of</a:t>
+            </a:r>
+            <a:r>
+              <a:rPr>
+                <a:hlinkClick r:id="rId6"/>
+              </a:rPr>
+              <a:t> </a:t>
+            </a:r>
+            <a:r>
+              <a:rPr>
+                <a:hlinkClick r:id="rId7"/>
+              </a:rPr>
+              <a:t>textlint</a:t>
+            </a:r>
+            <a:r>
+              <a:rPr>
+                <a:hlinkClick r:id="rId8"/>
+              </a:rPr>
+              <a:t> </a:t>
+            </a:r>
+            <a:r>
+              <a:rPr>
+                <a:hlinkClick r:id="rId9"/>
+              </a:rPr>
+              <a:t>rule</a:t>
+            </a:r>
+            <a:r>
+              <a:rPr>
+                <a:hlinkClick r:id="rId10"/>
+              </a:rPr>
+              <a:t> </a:t>
+            </a:r>
+            <a:r>
+              <a:rPr>
+                <a:hlinkClick r:id="rId11"/>
+              </a:rPr>
+              <a:t>·</a:t>
+            </a:r>
+            <a:r>
+              <a:rPr>
+                <a:hlinkClick r:id="rId12"/>
+              </a:rPr>
+              <a:t> </a:t>
+            </a:r>
+            <a:r>
+              <a:rPr>
+                <a:hlinkClick r:id="rId13"/>
+              </a:rPr>
+              <a:t>textlint/textlint</a:t>
+            </a:r>
+            <a:r>
+              <a:rPr>
+                <a:hlinkClick r:id="rId14"/>
+              </a:rPr>
+              <a:t> </a:t>
+            </a:r>
+            <a:r>
+              <a:rPr>
+                <a:hlinkClick r:id="rId15"/>
+              </a:rPr>
+              <a:t>Wiki</a:t>
+            </a:r>
+          </a:p>
+          <a:p>
+            <a:pPr lvl="1"/>
+            <a:r>
+              <a:rPr>
+                <a:hlinkClick r:id="rId16"/>
+              </a:rPr>
+              <a:t>prh</a:t>
+            </a:r>
+          </a:p>
+          <a:p>
+            <a:pPr lvl="2"/>
+            <a:r>
+              <a:rPr/>
+              <a:t>textlintと組み合わせて使う</a:t>
+            </a:r>
+          </a:p>
+          <a:p>
+            <a:pPr lvl="2"/>
+            <a:r>
+              <a:rPr/>
+              <a:t>辞書を作っておくと、用語の誤りを指摘してくれる</a:t>
+            </a:r>
+          </a:p>
+          <a:p>
+            <a:pPr lvl="2"/>
+            <a:r>
+              <a:rPr>
+                <a:hlinkClick r:id="rId17"/>
+              </a:rPr>
+              <a:t>サンプルルール</a:t>
+            </a:r>
+            <a:r>
+              <a:rPr/>
+              <a:t>のtechboosterだけでもかなり使える</a:t>
+            </a:r>
+          </a:p>
+        </p:txBody>
+      </p:sp>
+    </p:spTree>
+  </p:cSld>
+</p:sld>
+</file>
+
+<file path=ppt/slides/slide8.xml><?xml version="1.0" encoding="utf-8"?>
+<p:sld xmlns:a="http://schemas.openxmlformats.org/drawingml/2006/main" xmlns:r="http://schemas.openxmlformats.org/officeDocument/2006/relationships" xmlns:p="http://schemas.openxmlformats.org/presentationml/2006/main">
+  <p:cSld>
+    <p:spTree>
+      <p:nvGrpSpPr>
+        <p:cNvPr id="1" name=""/>
+        <p:cNvGrpSpPr/>
+        <p:nvPr/>
+      </p:nvGrpSpPr>
+      <p:grpSpPr>
+        <a:xfrm>
+          <a:off x="0" y="0"/>
+          <a:ext cx="0" cy="0"/>
+          <a:chOff x="0" y="0"/>
+          <a:chExt cx="0" cy="0"/>
+        </a:xfrm>
+      </p:grpSpPr>
+      <p:sp>
+        <p:nvSpPr>
+          <p:cNvPr id="2" name="Title 1"/>
+          <p:cNvSpPr>
+            <a:spLocks noGrp="1"/>
+          </p:cNvSpPr>
+          <p:nvPr>
+            <p:ph type="title"/>
+          </p:nvPr>
+        </p:nvSpPr>
+        <p:spPr/>
+        <p:txBody>
+          <a:bodyPr/>
+          <a:lstStyle/>
+          <a:p>
+            <a:pPr lvl="0" marL="0" indent="0">
+              <a:buNone/>
+            </a:pPr>
+            <a:r>
+              <a:rPr/>
+              <a:t>執筆のためのCI</a:t>
+            </a:r>
+          </a:p>
+        </p:txBody>
+      </p:sp>
+      <p:sp>
+        <p:nvSpPr>
+          <p:cNvPr id="3" name="Content Placeholder 2"/>
+          <p:cNvSpPr>
+            <a:spLocks noGrp="1"/>
+          </p:cNvSpPr>
+          <p:nvPr>
+            <p:ph idx="1"/>
+          </p:nvPr>
+        </p:nvSpPr>
+        <p:spPr/>
+        <p:txBody>
+          <a:bodyPr/>
+          <a:lstStyle/>
+          <a:p>
+            <a:pPr lvl="1"/>
+            <a:r>
+              <a:rPr/>
+              <a:t>技術書界隈でCIが流行ってる</a:t>
+            </a:r>
+          </a:p>
+          <a:p>
+            <a:pPr lvl="2"/>
+            <a:r>
+              <a:rPr/>
+              <a:t>原稿をPush→完成品に近いPDF生成→GitHub/BitBucketのIssue/PRでフィードバック</a:t>
+            </a:r>
+          </a:p>
+          <a:p>
+            <a:pPr lvl="2"/>
+            <a:r>
+              <a:rPr>
+                <a:hlinkClick r:id="rId2"/>
+              </a:rPr>
+              <a:t>技術書同人誌を書きましょう！</a:t>
+            </a:r>
+            <a:r>
+              <a:rPr>
+                <a:hlinkClick r:id="rId3"/>
+              </a:rPr>
+              <a:t> </a:t>
+            </a:r>
+            <a:r>
+              <a:rPr>
+                <a:hlinkClick r:id="rId4"/>
+              </a:rPr>
+              <a:t>-</a:t>
+            </a:r>
+            <a:r>
+              <a:rPr>
+                <a:hlinkClick r:id="rId5"/>
+              </a:rPr>
+              <a:t> </a:t>
+            </a:r>
+            <a:r>
+              <a:rPr>
+                <a:hlinkClick r:id="rId6"/>
+              </a:rPr>
+              <a:t>Qiita</a:t>
+            </a:r>
+          </a:p>
+          <a:p>
+            <a:pPr lvl="1"/>
+            <a:r>
+              <a:rPr/>
+              <a:t>執筆CIのメリット</a:t>
+            </a:r>
+          </a:p>
+          <a:p>
+            <a:pPr lvl="2"/>
+            <a:r>
+              <a:rPr/>
+              <a:t>原稿を書いた片っ端から編集者さんが随時校正できる</a:t>
+            </a:r>
+          </a:p>
+          <a:p>
+            <a:pPr lvl="3"/>
+            <a:r>
+              <a:rPr/>
+              <a:t>執筆フローは、伝統的にはウォーターフローモデル</a:t>
+            </a:r>
+          </a:p>
+          <a:p>
+            <a:pPr lvl="2"/>
+            <a:r>
+              <a:rPr/>
+              <a:t>リモートでの共同執筆やチームプレイが円滑になる</a:t>
+            </a:r>
+          </a:p>
+        </p:txBody>
+      </p:sp>
+    </p:spTree>
+  </p:cSld>
+</p:sld>
+</file>
+
+<file path=ppt/slides/slide9.xml><?xml version="1.0" encoding="utf-8"?>
+<p:sld xmlns:a="http://schemas.openxmlformats.org/drawingml/2006/main" xmlns:r="http://schemas.openxmlformats.org/officeDocument/2006/relationships" xmlns:p="http://schemas.openxmlformats.org/presentationml/2006/main">
+  <p:cSld>
+    <p:spTree>
+      <p:nvGrpSpPr>
+        <p:cNvPr id="1" name=""/>
+        <p:cNvGrpSpPr/>
+        <p:nvPr/>
+      </p:nvGrpSpPr>
+      <p:grpSpPr>
+        <a:xfrm>
+          <a:off x="0" y="0"/>
+          <a:ext cx="0" cy="0"/>
+          <a:chOff x="0" y="0"/>
+          <a:chExt cx="0" cy="0"/>
+        </a:xfrm>
+      </p:grpSpPr>
+      <p:sp>
+        <p:nvSpPr>
+          <p:cNvPr id="2" name="Title 1"/>
+          <p:cNvSpPr>
+            <a:spLocks noGrp="1"/>
+          </p:cNvSpPr>
+          <p:nvPr>
+            <p:ph type="title"/>
+          </p:nvPr>
+        </p:nvSpPr>
+        <p:spPr/>
+        <p:txBody>
+          <a:bodyPr/>
+          <a:lstStyle/>
+          <a:p>
+            <a:pPr lvl="0" marL="0" indent="0">
+              <a:buNone/>
+            </a:pPr>
+            <a:r>
+              <a:rPr/>
+              <a:t>執筆に関するおすすめ資料</a:t>
+            </a:r>
+          </a:p>
+        </p:txBody>
+      </p:sp>
+      <p:sp>
+        <p:nvSpPr>
+          <p:cNvPr id="3" name="Content Placeholder 2"/>
+          <p:cNvSpPr>
+            <a:spLocks noGrp="1"/>
+          </p:cNvSpPr>
+          <p:nvPr>
+            <p:ph idx="1"/>
+          </p:nvPr>
+        </p:nvSpPr>
+        <p:spPr/>
+        <p:txBody>
+          <a:bodyPr/>
+          <a:lstStyle/>
+          <a:p>
+            <a:pPr lvl="1"/>
+            <a:r>
+              <a:rPr>
+                <a:hlinkClick r:id="rId2"/>
+              </a:rPr>
+              <a:t>【もくもく執筆会】執筆お疲れさま！歓談＆LT</a:t>
+            </a:r>
+            <a:r>
+              <a:rPr>
+                <a:hlinkClick r:id="rId3"/>
+              </a:rPr>
+              <a:t> </a:t>
+            </a:r>
+            <a:r>
+              <a:rPr>
+                <a:hlinkClick r:id="rId4"/>
+              </a:rPr>
+              <a:t>パーティー</a:t>
+            </a:r>
+          </a:p>
+          <a:p>
+            <a:pPr lvl="2"/>
+            <a:r>
+              <a:rPr>
+                <a:hlinkClick r:id="rId5"/>
+              </a:rPr>
+              <a:t>資料一覧</a:t>
+            </a:r>
+            <a:r>
+              <a:rPr/>
+              <a:t> </a:t>
+            </a:r>
+            <a:r>
+              <a:rPr/>
+              <a:t>に上がってるLT資料が良い</a:t>
             </a:r>
           </a:p>
         </p:txBody>

--- a/pandoc.pptx
+++ b/pandoc.pptx
@@ -3174,7 +3174,7 @@
             <a:br/>
             <a:r>
               <a:rPr/>
-              <a:t>藤原</a:t>
+              <a:t>(藤原</a:t>
             </a:r>
             <a:r>
               <a:rPr/>
@@ -3182,9 +3182,12 @@
             </a:r>
             <a:r>
               <a:rPr/>
-              <a:t>由来</a:t>
-            </a:r>
-            <a:br/>
+              <a:t>由来,</a:t>
+            </a:r>
+            <a:r>
+              <a:rPr/>
+              <a:t> </a:t>
+            </a:r>
             <a:r>
               <a:rPr/>
               <a:t>Twitter:</a:t>
@@ -3195,7 +3198,7 @@
             </a:r>
             <a:r>
               <a:rPr/>
-              <a:t>sky_y</a:t>
+              <a:t>sky_y)</a:t>
             </a:r>
           </a:p>
         </p:txBody>
@@ -3615,7 +3618,22 @@
             <a:pPr lvl="2"/>
             <a:r>
               <a:rPr/>
-              <a:t>PowerPoint</a:t>
+              <a:t>PowerPointで開くと壊れてる（！？）</a:t>
+            </a:r>
+          </a:p>
+          <a:p>
+            <a:pPr lvl="2"/>
+            <a:r>
+              <a:rPr/>
+              <a:t>LibreOffice</a:t>
+            </a:r>
+            <a:r>
+              <a:rPr/>
+              <a:t> </a:t>
+            </a:r>
+            <a:r>
+              <a:rPr/>
+              <a:t>Impressで開くしかなさそう？</a:t>
             </a:r>
           </a:p>
         </p:txBody>

--- a/pandoc.pptx
+++ b/pandoc.pptx
@@ -15,6 +15,7 @@
     <p:sldId id="263" r:id="rId9"/>
     <p:sldId id="264" r:id="rId10"/>
     <p:sldId id="265" r:id="rId11"/>
+    <p:sldId id="266" r:id="rId12"/>
   </p:sldIdLst>
   <p:sldSz cx="9144000" cy="6858000" type="screen4x3"/>
   <p:notesSz cx="6858000" cy="9144000"/>
@@ -3129,7 +3130,7 @@
             </a:pPr>
             <a:r>
               <a:rPr/>
-              <a:t>Markdownで作るスライド</a:t>
+              <a:t>Markdownでスライド＋執筆</a:t>
             </a:r>
           </a:p>
         </p:txBody>
@@ -3270,6 +3271,107 @@
             </a:pPr>
             <a:r>
               <a:rPr/>
+              <a:t>執筆に関するおすすめ資料</a:t>
+            </a:r>
+          </a:p>
+        </p:txBody>
+      </p:sp>
+      <p:sp>
+        <p:nvSpPr>
+          <p:cNvPr id="3" name="Content Placeholder 2"/>
+          <p:cNvSpPr>
+            <a:spLocks noGrp="1"/>
+          </p:cNvSpPr>
+          <p:nvPr>
+            <p:ph idx="1"/>
+          </p:nvPr>
+        </p:nvSpPr>
+        <p:spPr/>
+        <p:txBody>
+          <a:bodyPr/>
+          <a:lstStyle/>
+          <a:p>
+            <a:pPr lvl="1"/>
+            <a:r>
+              <a:rPr>
+                <a:hlinkClick r:id="rId2"/>
+              </a:rPr>
+              <a:t>【もくもく執筆会】執筆お疲れさま！歓談＆LT</a:t>
+            </a:r>
+            <a:r>
+              <a:rPr>
+                <a:hlinkClick r:id="rId3"/>
+              </a:rPr>
+              <a:t> </a:t>
+            </a:r>
+            <a:r>
+              <a:rPr>
+                <a:hlinkClick r:id="rId4"/>
+              </a:rPr>
+              <a:t>パーティー</a:t>
+            </a:r>
+          </a:p>
+          <a:p>
+            <a:pPr lvl="2"/>
+            <a:r>
+              <a:rPr>
+                <a:hlinkClick r:id="rId5"/>
+              </a:rPr>
+              <a:t>資料一覧</a:t>
+            </a:r>
+            <a:r>
+              <a:rPr/>
+              <a:t> </a:t>
+            </a:r>
+            <a:r>
+              <a:rPr/>
+              <a:t>に上がってるLT資料が良い</a:t>
+            </a:r>
+          </a:p>
+        </p:txBody>
+      </p:sp>
+    </p:spTree>
+  </p:cSld>
+</p:sld>
+</file>
+
+<file path=ppt/slides/slide11.xml><?xml version="1.0" encoding="utf-8"?>
+<p:sld xmlns:a="http://schemas.openxmlformats.org/drawingml/2006/main" xmlns:r="http://schemas.openxmlformats.org/officeDocument/2006/relationships" xmlns:p="http://schemas.openxmlformats.org/presentationml/2006/main">
+  <p:cSld>
+    <p:spTree>
+      <p:nvGrpSpPr>
+        <p:cNvPr id="1" name=""/>
+        <p:cNvGrpSpPr/>
+        <p:nvPr/>
+      </p:nvGrpSpPr>
+      <p:grpSpPr>
+        <a:xfrm>
+          <a:off x="0" y="0"/>
+          <a:ext cx="0" cy="0"/>
+          <a:chOff x="0" y="0"/>
+          <a:chExt cx="0" cy="0"/>
+        </a:xfrm>
+      </p:grpSpPr>
+      <p:sp>
+        <p:nvSpPr>
+          <p:cNvPr id="2" name="Title 1"/>
+          <p:cNvSpPr>
+            <a:spLocks noGrp="1"/>
+          </p:cNvSpPr>
+          <p:nvPr>
+            <p:ph type="title"/>
+          </p:nvPr>
+        </p:nvSpPr>
+        <p:spPr/>
+        <p:txBody>
+          <a:bodyPr/>
+          <a:lstStyle/>
+          <a:p>
+            <a:pPr lvl="0" marL="0" indent="0">
+              <a:buNone/>
+            </a:pPr>
+            <a:r>
+              <a:rPr/>
               <a:t>おわり</a:t>
             </a:r>
           </a:p>
@@ -3979,7 +4081,7 @@
             </a:pPr>
             <a:r>
               <a:rPr/>
-              <a:t>執筆お助けツール</a:t>
+              <a:t>執筆</a:t>
             </a:r>
           </a:p>
         </p:txBody>
@@ -4000,142 +4102,40 @@
           <a:lstStyle/>
           <a:p>
             <a:pPr lvl="1"/>
+            <a:r>
+              <a:rPr/>
+              <a:t>書いてます</a:t>
+            </a:r>
+          </a:p>
+          <a:p>
+            <a:pPr lvl="2"/>
+            <a:r>
+              <a:rPr/>
+              <a:t>noteマガジン:</a:t>
+            </a:r>
+            <a:r>
+              <a:rPr/>
+              <a:t> </a:t>
+            </a:r>
             <a:r>
               <a:rPr>
                 <a:hlinkClick r:id="rId2"/>
               </a:rPr>
-              <a:t>textlint</a:t>
+              <a:t>文系のためのMarkdown入門</a:t>
+            </a:r>
+          </a:p>
+          <a:p>
+            <a:pPr lvl="1"/>
+            <a:r>
+              <a:rPr/>
+              <a:t>noteはMarkdownに未対応なので、人力Markdown処理系で変換</a:t>
             </a:r>
           </a:p>
           <a:p>
             <a:pPr lvl="2"/>
             <a:r>
               <a:rPr/>
-              <a:t>英語・日本語の文法誤りをしてくれるツール</a:t>
-            </a:r>
-          </a:p>
-          <a:p>
-            <a:pPr lvl="2"/>
-            <a:r>
-              <a:rPr/>
-              <a:t>プラグインでスタイルやルールをインストールできる</a:t>
-            </a:r>
-          </a:p>
-          <a:p>
-            <a:pPr lvl="2"/>
-            <a:r>
-              <a:rPr>
-                <a:hlinkClick r:id="rId3"/>
-              </a:rPr>
-              <a:t>Collection</a:t>
-            </a:r>
-            <a:r>
-              <a:rPr>
-                <a:hlinkClick r:id="rId4"/>
-              </a:rPr>
-              <a:t> </a:t>
-            </a:r>
-            <a:r>
-              <a:rPr>
-                <a:hlinkClick r:id="rId5"/>
-              </a:rPr>
-              <a:t>of</a:t>
-            </a:r>
-            <a:r>
-              <a:rPr>
-                <a:hlinkClick r:id="rId6"/>
-              </a:rPr>
-              <a:t> </a:t>
-            </a:r>
-            <a:r>
-              <a:rPr>
-                <a:hlinkClick r:id="rId7"/>
-              </a:rPr>
-              <a:t>textlint</a:t>
-            </a:r>
-            <a:r>
-              <a:rPr>
-                <a:hlinkClick r:id="rId8"/>
-              </a:rPr>
-              <a:t> </a:t>
-            </a:r>
-            <a:r>
-              <a:rPr>
-                <a:hlinkClick r:id="rId9"/>
-              </a:rPr>
-              <a:t>rule</a:t>
-            </a:r>
-            <a:r>
-              <a:rPr>
-                <a:hlinkClick r:id="rId10"/>
-              </a:rPr>
-              <a:t> </a:t>
-            </a:r>
-            <a:r>
-              <a:rPr>
-                <a:hlinkClick r:id="rId11"/>
-              </a:rPr>
-              <a:t>·</a:t>
-            </a:r>
-            <a:r>
-              <a:rPr>
-                <a:hlinkClick r:id="rId12"/>
-              </a:rPr>
-              <a:t> </a:t>
-            </a:r>
-            <a:r>
-              <a:rPr>
-                <a:hlinkClick r:id="rId13"/>
-              </a:rPr>
-              <a:t>textlint/textlint</a:t>
-            </a:r>
-            <a:r>
-              <a:rPr>
-                <a:hlinkClick r:id="rId14"/>
-              </a:rPr>
-              <a:t> </a:t>
-            </a:r>
-            <a:r>
-              <a:rPr>
-                <a:hlinkClick r:id="rId15"/>
-              </a:rPr>
-              <a:t>Wiki</a:t>
-            </a:r>
-          </a:p>
-          <a:p>
-            <a:pPr lvl="1"/>
-            <a:r>
-              <a:rPr>
-                <a:hlinkClick r:id="rId16"/>
-              </a:rPr>
-              <a:t>prh</a:t>
-            </a:r>
-          </a:p>
-          <a:p>
-            <a:pPr lvl="2"/>
-            <a:r>
-              <a:rPr/>
-              <a:t>textlintと組み合わせて使う</a:t>
-            </a:r>
-          </a:p>
-          <a:p>
-            <a:pPr lvl="2"/>
-            <a:r>
-              <a:rPr/>
-              <a:t>辞書を作っておくと、用語の誤りを指摘してくれる</a:t>
-            </a:r>
-          </a:p>
-          <a:p>
-            <a:pPr lvl="2"/>
-            <a:r>
-              <a:rPr>
-                <a:hlinkClick r:id="rId17"/>
-              </a:rPr>
-              <a:t>サンプルルール</a:t>
-            </a:r>
-            <a:r>
-              <a:rPr/>
-              <a:t>のtechboosterだけでもかなり使える</a:t>
+              <a:t>運営はMarkdownエディタに前向き？</a:t>
             </a:r>
           </a:p>
         </p:txBody>
@@ -4182,7 +4182,7 @@
             </a:pPr>
             <a:r>
               <a:rPr/>
-              <a:t>執筆のためのCI</a:t>
+              <a:t>執筆お助けツール</a:t>
             </a:r>
           </a:p>
         </p:txBody>
@@ -4203,77 +4203,142 @@
           <a:lstStyle/>
           <a:p>
             <a:pPr lvl="1"/>
-            <a:r>
-              <a:rPr/>
-              <a:t>技術書界隈でCIが流行ってる</a:t>
-            </a:r>
-          </a:p>
-          <a:p>
-            <a:pPr lvl="2"/>
-            <a:r>
-              <a:rPr/>
-              <a:t>原稿をPush→完成品に近いPDF生成→GitHub/BitBucketのIssue/PRでフィードバック</a:t>
-            </a:r>
-          </a:p>
-          <a:p>
-            <a:pPr lvl="2"/>
             <a:r>
               <a:rPr>
                 <a:hlinkClick r:id="rId2"/>
               </a:rPr>
-              <a:t>技術書同人誌を書きましょう！</a:t>
-            </a:r>
+              <a:t>textlint</a:t>
+            </a:r>
+          </a:p>
+          <a:p>
+            <a:pPr lvl="2"/>
+            <a:r>
+              <a:rPr/>
+              <a:t>英語・日本語の文法誤りをしてくれるツール</a:t>
+            </a:r>
+          </a:p>
+          <a:p>
+            <a:pPr lvl="2"/>
+            <a:r>
+              <a:rPr/>
+              <a:t>プラグインでスタイルやルールをインストールできる</a:t>
+            </a:r>
+          </a:p>
+          <a:p>
+            <a:pPr lvl="2"/>
             <a:r>
               <a:rPr>
                 <a:hlinkClick r:id="rId3"/>
               </a:rPr>
-              <a:t> </a:t>
+              <a:t>Collection</a:t>
             </a:r>
             <a:r>
               <a:rPr>
                 <a:hlinkClick r:id="rId4"/>
               </a:rPr>
-              <a:t>-</a:t>
+              <a:t> </a:t>
             </a:r>
             <a:r>
               <a:rPr>
                 <a:hlinkClick r:id="rId5"/>
               </a:rPr>
-              <a:t> </a:t>
+              <a:t>of</a:t>
             </a:r>
             <a:r>
               <a:rPr>
                 <a:hlinkClick r:id="rId6"/>
               </a:rPr>
-              <a:t>Qiita</a:t>
+              <a:t> </a:t>
+            </a:r>
+            <a:r>
+              <a:rPr>
+                <a:hlinkClick r:id="rId7"/>
+              </a:rPr>
+              <a:t>textlint</a:t>
+            </a:r>
+            <a:r>
+              <a:rPr>
+                <a:hlinkClick r:id="rId8"/>
+              </a:rPr>
+              <a:t> </a:t>
+            </a:r>
+            <a:r>
+              <a:rPr>
+                <a:hlinkClick r:id="rId9"/>
+              </a:rPr>
+              <a:t>rule</a:t>
+            </a:r>
+            <a:r>
+              <a:rPr>
+                <a:hlinkClick r:id="rId10"/>
+              </a:rPr>
+              <a:t> </a:t>
+            </a:r>
+            <a:r>
+              <a:rPr>
+                <a:hlinkClick r:id="rId11"/>
+              </a:rPr>
+              <a:t>·</a:t>
+            </a:r>
+            <a:r>
+              <a:rPr>
+                <a:hlinkClick r:id="rId12"/>
+              </a:rPr>
+              <a:t> </a:t>
+            </a:r>
+            <a:r>
+              <a:rPr>
+                <a:hlinkClick r:id="rId13"/>
+              </a:rPr>
+              <a:t>textlint/textlint</a:t>
+            </a:r>
+            <a:r>
+              <a:rPr>
+                <a:hlinkClick r:id="rId14"/>
+              </a:rPr>
+              <a:t> </a:t>
+            </a:r>
+            <a:r>
+              <a:rPr>
+                <a:hlinkClick r:id="rId15"/>
+              </a:rPr>
+              <a:t>Wiki</a:t>
             </a:r>
           </a:p>
           <a:p>
             <a:pPr lvl="1"/>
             <a:r>
-              <a:rPr/>
-              <a:t>執筆CIのメリット</a:t>
+              <a:rPr>
+                <a:hlinkClick r:id="rId16"/>
+              </a:rPr>
+              <a:t>prh</a:t>
             </a:r>
           </a:p>
           <a:p>
             <a:pPr lvl="2"/>
             <a:r>
               <a:rPr/>
-              <a:t>原稿を書いた片っ端から編集者さんが随時校正できる</a:t>
-            </a:r>
-          </a:p>
-          <a:p>
-            <a:pPr lvl="3"/>
-            <a:r>
-              <a:rPr/>
-              <a:t>執筆フローは、伝統的にはウォーターフローモデル</a:t>
+              <a:t>textlintと組み合わせて使う</a:t>
             </a:r>
           </a:p>
           <a:p>
             <a:pPr lvl="2"/>
             <a:r>
               <a:rPr/>
-              <a:t>リモートでの共同執筆やチームプレイが円滑になる</a:t>
+              <a:t>辞書を作っておくと、用語の誤りを指摘してくれる</a:t>
+            </a:r>
+          </a:p>
+          <a:p>
+            <a:pPr lvl="2"/>
+            <a:r>
+              <a:rPr>
+                <a:hlinkClick r:id="rId17"/>
+              </a:rPr>
+              <a:t>サンプルルール</a:t>
+            </a:r>
+            <a:r>
+              <a:rPr/>
+              <a:t>のtechboosterだけでもかなり使える</a:t>
             </a:r>
           </a:p>
         </p:txBody>
@@ -4320,7 +4385,7 @@
             </a:pPr>
             <a:r>
               <a:rPr/>
-              <a:t>執筆に関するおすすめ資料</a:t>
+              <a:t>執筆のためのCI</a:t>
             </a:r>
           </a:p>
         </p:txBody>
@@ -4341,11 +4406,25 @@
           <a:lstStyle/>
           <a:p>
             <a:pPr lvl="1"/>
+            <a:r>
+              <a:rPr/>
+              <a:t>技術書界隈でCIが流行ってる</a:t>
+            </a:r>
+          </a:p>
+          <a:p>
+            <a:pPr lvl="2"/>
+            <a:r>
+              <a:rPr/>
+              <a:t>原稿をPush→完成品に近いPDF生成→GitHub/BitBucketのIssue/PRでフィードバック</a:t>
+            </a:r>
+          </a:p>
+          <a:p>
+            <a:pPr lvl="2"/>
             <a:r>
               <a:rPr>
                 <a:hlinkClick r:id="rId2"/>
               </a:rPr>
-              <a:t>【もくもく執筆会】執筆お疲れさま！歓談＆LT</a:t>
+              <a:t>技術書同人誌を書きましょう！</a:t>
             </a:r>
             <a:r>
               <a:rPr>
@@ -4357,24 +4436,47 @@
               <a:rPr>
                 <a:hlinkClick r:id="rId4"/>
               </a:rPr>
-              <a:t>パーティー</a:t>
-            </a:r>
-          </a:p>
-          <a:p>
-            <a:pPr lvl="2"/>
+              <a:t>-</a:t>
+            </a:r>
             <a:r>
               <a:rPr>
                 <a:hlinkClick r:id="rId5"/>
               </a:rPr>
-              <a:t>資料一覧</a:t>
-            </a:r>
-            <a:r>
-              <a:rPr/>
               <a:t> </a:t>
             </a:r>
             <a:r>
-              <a:rPr/>
-              <a:t>に上がってるLT資料が良い</a:t>
+              <a:rPr>
+                <a:hlinkClick r:id="rId6"/>
+              </a:rPr>
+              <a:t>Qiita</a:t>
+            </a:r>
+          </a:p>
+          <a:p>
+            <a:pPr lvl="1"/>
+            <a:r>
+              <a:rPr/>
+              <a:t>執筆CIのメリット</a:t>
+            </a:r>
+          </a:p>
+          <a:p>
+            <a:pPr lvl="2"/>
+            <a:r>
+              <a:rPr/>
+              <a:t>原稿を書いた片っ端から編集者さんが随時校正できる</a:t>
+            </a:r>
+          </a:p>
+          <a:p>
+            <a:pPr lvl="3"/>
+            <a:r>
+              <a:rPr/>
+              <a:t>執筆フローは、伝統的にはウォーターフローモデル</a:t>
+            </a:r>
+          </a:p>
+          <a:p>
+            <a:pPr lvl="2"/>
+            <a:r>
+              <a:rPr/>
+              <a:t>リモートでの共同執筆やチームプレイが円滑になる</a:t>
             </a:r>
           </a:p>
         </p:txBody>

--- a/pandoc.pptx
+++ b/pandoc.pptx
@@ -3158,6 +3158,18 @@
             <a:pPr lvl="0" marL="0" indent="0">
               <a:buNone/>
             </a:pPr>
+            <a:r>
+              <a:rPr/>
+              <a:t>姫路IT系勉強会</a:t>
+            </a:r>
+            <a:r>
+              <a:rPr/>
+              <a:t> </a:t>
+            </a:r>
+            <a:r>
+              <a:rPr/>
+              <a:t>2017.12</a:t>
+            </a:r>
             <a:br/>
             <a:br/>
             <a:r>
